--- a/.slides/topics/09_correlation.pptx
+++ b/.slides/topics/09_correlation.pptx
@@ -11,12 +11,14 @@
     <p:sldId id="259" r:id="rId5"/>
     <p:sldId id="260" r:id="rId6"/>
     <p:sldId id="261" r:id="rId7"/>
-    <p:sldId id="262" r:id="rId8"/>
-    <p:sldId id="263" r:id="rId9"/>
-    <p:sldId id="264" r:id="rId10"/>
-    <p:sldId id="265" r:id="rId11"/>
-    <p:sldId id="266" r:id="rId12"/>
-    <p:sldId id="267" r:id="rId13"/>
+    <p:sldId id="272" r:id="rId8"/>
+    <p:sldId id="262" r:id="rId9"/>
+    <p:sldId id="263" r:id="rId10"/>
+    <p:sldId id="264" r:id="rId11"/>
+    <p:sldId id="265" r:id="rId12"/>
+    <p:sldId id="266" r:id="rId13"/>
+    <p:sldId id="267" r:id="rId14"/>
+    <p:sldId id="271" r:id="rId15"/>
   </p:sldIdLst>
   <p:sldSz cx="12192000" cy="6858000"/>
   <p:notesSz cx="6858000" cy="9144000"/>
@@ -3482,6 +3484,53 @@
           </a:p>
         </p:txBody>
       </p:sp>
+      <p:pic>
+        <p:nvPicPr>
+          <p:cNvPr id="1026" name="Picture 2">
+            <a:extLst>
+              <a:ext uri="{FF2B5EF4-FFF2-40B4-BE49-F238E27FC236}">
+                <a16:creationId xmlns:a16="http://schemas.microsoft.com/office/drawing/2014/main" id="{051AE61B-8CC8-12B1-19DA-9D9F936E40F9}"/>
+              </a:ext>
+            </a:extLst>
+          </p:cNvPr>
+          <p:cNvPicPr>
+            <a:picLocks noChangeAspect="1" noChangeArrowheads="1"/>
+          </p:cNvPicPr>
+          <p:nvPr/>
+        </p:nvPicPr>
+        <p:blipFill>
+          <a:blip r:embed="rId3">
+            <a:extLst>
+              <a:ext uri="{28A0092B-C50C-407E-A947-70E740481C1C}">
+                <a14:useLocalDpi xmlns:a14="http://schemas.microsoft.com/office/drawing/2010/main" val="0"/>
+              </a:ext>
+            </a:extLst>
+          </a:blip>
+          <a:srcRect/>
+          <a:stretch>
+            <a:fillRect/>
+          </a:stretch>
+        </p:blipFill>
+        <p:spPr bwMode="auto">
+          <a:xfrm>
+            <a:off x="8438154" y="423795"/>
+            <a:ext cx="3240000" cy="2155846"/>
+          </a:xfrm>
+          <a:prstGeom prst="rect">
+            <a:avLst/>
+          </a:prstGeom>
+          <a:noFill/>
+          <a:extLst>
+            <a:ext uri="{909E8E84-426E-40DD-AFC4-6F175D3DCCD1}">
+              <a14:hiddenFill xmlns:a14="http://schemas.microsoft.com/office/drawing/2010/main">
+                <a:solidFill>
+                  <a:srgbClr val="FFFFFF"/>
+                </a:solidFill>
+              </a14:hiddenFill>
+            </a:ext>
+          </a:extLst>
+        </p:spPr>
+      </p:pic>
     </p:spTree>
   </p:cSld>
   <p:clrMapOvr>
@@ -3532,7 +3581,7 @@
               <a:buNone/>
             </a:pPr>
             <a:r>
-              <a:t>Spearman Rank Correlation</a:t>
+              <a:t>Pearson Correlation Assumptions</a:t>
             </a:r>
           </a:p>
         </p:txBody>
@@ -3560,25 +3609,25 @@
           <a:p>
             <a:pPr lvl="0"/>
             <a:r>
-              <a:t>Alternative when Pearson assumptions not met</a:t>
-            </a:r>
-          </a:p>
-          <a:p>
-            <a:pPr lvl="0"/>
-            <a:r>
-              <a:t>Relaxed assumptions: ranked data and independence</a:t>
-            </a:r>
-          </a:p>
-          <a:p>
-            <a:pPr lvl="0"/>
-            <a:r>
-              <a:t>Appropriate for non-linear relationships</a:t>
-            </a:r>
-          </a:p>
-          <a:p>
-            <a:pPr lvl="0"/>
-            <a:r>
-              <a:t>Correlation coefficient noted as “rho” (ρ)</a:t>
+              <a:t>Linear relationship between variables</a:t>
+            </a:r>
+          </a:p>
+          <a:p>
+            <a:pPr lvl="0"/>
+            <a:r>
+              <a:t>Bivariate Gaussian distribution</a:t>
+            </a:r>
+          </a:p>
+          <a:p>
+            <a:pPr lvl="0"/>
+            <a:r>
+              <a:t>Homoscedasticity (similar variance across range)</a:t>
+            </a:r>
+          </a:p>
+          <a:p>
+            <a:pPr lvl="0"/>
+            <a:r>
+              <a:t>Independence of observations and absence of outliers</a:t>
             </a:r>
           </a:p>
         </p:txBody>
@@ -3633,7 +3682,7 @@
               <a:buNone/>
             </a:pPr>
             <a:r>
-              <a:t>Results and Reporting</a:t>
+              <a:t>Spearman Rank Correlation</a:t>
             </a:r>
           </a:p>
         </p:txBody>
@@ -3661,25 +3710,25 @@
           <a:p>
             <a:pPr lvl="0"/>
             <a:r>
-              <a:t>Report test statistic, sample size/df, and p-value</a:t>
-            </a:r>
-          </a:p>
-          <a:p>
-            <a:pPr lvl="0"/>
-            <a:r>
-              <a:t>Example: “significant correlation (Pearson’s r = 0.96, df = 148, P &lt; 0.0001)”</a:t>
-            </a:r>
-          </a:p>
-          <a:p>
-            <a:pPr lvl="0"/>
-            <a:r>
-              <a:t>Round to two decimal places consistently</a:t>
-            </a:r>
-          </a:p>
-          <a:p>
-            <a:pPr lvl="0"/>
-            <a:r>
-              <a:t>Never use scientific notation for p-values &lt; 0.0001</a:t>
+              <a:t>Alternative when Pearson assumptions not met</a:t>
+            </a:r>
+          </a:p>
+          <a:p>
+            <a:pPr lvl="0"/>
+            <a:r>
+              <a:t>Relaxed assumptions: ranked data and independence</a:t>
+            </a:r>
+          </a:p>
+          <a:p>
+            <a:pPr lvl="0"/>
+            <a:r>
+              <a:t>Appropriate for non-linear relationships</a:t>
+            </a:r>
+          </a:p>
+          <a:p>
+            <a:pPr lvl="0"/>
+            <a:r>
+              <a:t>Correlation coefficient noted as “rho” (ρ)</a:t>
             </a:r>
           </a:p>
         </p:txBody>
@@ -3734,6 +3783,162 @@
               <a:buNone/>
             </a:pPr>
             <a:r>
+              <a:t>Results and Reporting</a:t>
+            </a:r>
+          </a:p>
+        </p:txBody>
+      </p:sp>
+      <p:sp>
+        <p:nvSpPr>
+          <p:cNvPr id="3" name="Content Placeholder 2">
+            <a:extLst>
+              <a:ext uri="{FF2B5EF4-FFF2-40B4-BE49-F238E27FC236}">
+                <a16:creationId xmlns:a16="http://schemas.microsoft.com/office/drawing/2014/main" id="{51C3FE42-1672-993E-68F1-5E07C2E42057}"/>
+              </a:ext>
+            </a:extLst>
+          </p:cNvPr>
+          <p:cNvSpPr>
+            <a:spLocks noGrp="1"/>
+          </p:cNvSpPr>
+          <p:nvPr>
+            <p:ph idx="1"/>
+          </p:nvPr>
+        </p:nvSpPr>
+        <p:spPr>
+          <a:xfrm>
+            <a:off x="838200" y="1825625"/>
+            <a:ext cx="6294120" cy="4351338"/>
+          </a:xfrm>
+        </p:spPr>
+        <p:txBody>
+          <a:bodyPr/>
+          <a:lstStyle/>
+          <a:p>
+            <a:pPr lvl="0"/>
+            <a:r>
+              <a:rPr dirty="0"/>
+              <a:t>Report test statistic, sample size/</a:t>
+            </a:r>
+            <a:r>
+              <a:rPr dirty="0" err="1"/>
+              <a:t>df</a:t>
+            </a:r>
+            <a:r>
+              <a:rPr dirty="0"/>
+              <a:t>, and p-value</a:t>
+            </a:r>
+          </a:p>
+          <a:p>
+            <a:pPr lvl="0"/>
+            <a:r>
+              <a:rPr dirty="0"/>
+              <a:t>Example: “significant correlation (Pearson’s r = 0.96, </a:t>
+            </a:r>
+            <a:r>
+              <a:rPr dirty="0" err="1"/>
+              <a:t>df</a:t>
+            </a:r>
+            <a:r>
+              <a:rPr dirty="0"/>
+              <a:t> = 148, P &lt; 0.0001)”</a:t>
+            </a:r>
+          </a:p>
+          <a:p>
+            <a:pPr lvl="0"/>
+            <a:r>
+              <a:rPr dirty="0"/>
+              <a:t>Round to two decimal places consistently</a:t>
+            </a:r>
+          </a:p>
+          <a:p>
+            <a:pPr lvl="0"/>
+            <a:r>
+              <a:rPr dirty="0"/>
+              <a:t>Never use scientific notation for p-values &lt; 0.0001</a:t>
+            </a:r>
+          </a:p>
+        </p:txBody>
+      </p:sp>
+      <p:pic>
+        <p:nvPicPr>
+          <p:cNvPr id="5" name="Picture 4">
+            <a:extLst>
+              <a:ext uri="{FF2B5EF4-FFF2-40B4-BE49-F238E27FC236}">
+                <a16:creationId xmlns:a16="http://schemas.microsoft.com/office/drawing/2014/main" id="{94D23F31-B681-0898-A145-C29BF42FEACF}"/>
+              </a:ext>
+            </a:extLst>
+          </p:cNvPr>
+          <p:cNvPicPr>
+            <a:picLocks noChangeAspect="1"/>
+          </p:cNvPicPr>
+          <p:nvPr/>
+        </p:nvPicPr>
+        <p:blipFill>
+          <a:blip r:embed="rId2"/>
+          <a:stretch>
+            <a:fillRect/>
+          </a:stretch>
+        </p:blipFill>
+        <p:spPr>
+          <a:xfrm>
+            <a:off x="6838359" y="1825625"/>
+            <a:ext cx="5231107" cy="3234892"/>
+          </a:xfrm>
+          <a:prstGeom prst="rect">
+            <a:avLst/>
+          </a:prstGeom>
+        </p:spPr>
+      </p:pic>
+    </p:spTree>
+  </p:cSld>
+  <p:clrMapOvr>
+    <a:masterClrMapping/>
+  </p:clrMapOvr>
+</p:sld>
+</file>
+
+<file path=ppt/slides/slide13.xml><?xml version="1.0" encoding="utf-8"?>
+<p:sld xmlns:a="http://schemas.openxmlformats.org/drawingml/2006/main" xmlns:r="http://schemas.openxmlformats.org/officeDocument/2006/relationships" xmlns:p="http://schemas.openxmlformats.org/presentationml/2006/main">
+  <p:cSld>
+    <p:spTree>
+      <p:nvGrpSpPr>
+        <p:cNvPr id="1" name=""/>
+        <p:cNvGrpSpPr/>
+        <p:nvPr/>
+      </p:nvGrpSpPr>
+      <p:grpSpPr>
+        <a:xfrm>
+          <a:off x="0" y="0"/>
+          <a:ext cx="0" cy="0"/>
+          <a:chOff x="0" y="0"/>
+          <a:chExt cx="0" cy="0"/>
+        </a:xfrm>
+      </p:grpSpPr>
+      <p:sp>
+        <p:nvSpPr>
+          <p:cNvPr id="2" name="Title 1">
+            <a:extLst>
+              <a:ext uri="{FF2B5EF4-FFF2-40B4-BE49-F238E27FC236}">
+                <a16:creationId xmlns:a16="http://schemas.microsoft.com/office/drawing/2014/main" id="{8525C2D7-E417-70EE-D336-6C2729628304}"/>
+              </a:ext>
+            </a:extLst>
+          </p:cNvPr>
+          <p:cNvSpPr>
+            <a:spLocks noGrp="1"/>
+          </p:cNvSpPr>
+          <p:nvPr>
+            <p:ph type="title"/>
+          </p:nvPr>
+        </p:nvSpPr>
+        <p:spPr/>
+        <p:txBody>
+          <a:bodyPr/>
+          <a:lstStyle/>
+          <a:p>
+            <a:pPr marL="0" lvl="0" indent="0">
+              <a:buNone/>
+            </a:pPr>
+            <a:r>
               <a:t>Validation Process</a:t>
             </a:r>
           </a:p>
@@ -3785,6 +3990,97 @@
           </a:p>
         </p:txBody>
       </p:sp>
+    </p:spTree>
+  </p:cSld>
+  <p:clrMapOvr>
+    <a:masterClrMapping/>
+  </p:clrMapOvr>
+</p:sld>
+</file>
+
+<file path=ppt/slides/slide14.xml><?xml version="1.0" encoding="utf-8"?>
+<p:sld xmlns:a="http://schemas.openxmlformats.org/drawingml/2006/main" xmlns:r="http://schemas.openxmlformats.org/officeDocument/2006/relationships" xmlns:p="http://schemas.openxmlformats.org/presentationml/2006/main">
+  <p:cSld>
+    <p:spTree>
+      <p:nvGrpSpPr>
+        <p:cNvPr id="1" name=""/>
+        <p:cNvGrpSpPr/>
+        <p:nvPr/>
+      </p:nvGrpSpPr>
+      <p:grpSpPr>
+        <a:xfrm>
+          <a:off x="0" y="0"/>
+          <a:ext cx="0" cy="0"/>
+          <a:chOff x="0" y="0"/>
+          <a:chExt cx="0" cy="0"/>
+        </a:xfrm>
+      </p:grpSpPr>
+      <p:sp>
+        <p:nvSpPr>
+          <p:cNvPr id="2" name="Title 1">
+            <a:extLst>
+              <a:ext uri="{FF2B5EF4-FFF2-40B4-BE49-F238E27FC236}">
+                <a16:creationId xmlns:a16="http://schemas.microsoft.com/office/drawing/2014/main" id="{8525C2D7-E417-70EE-D336-6C2729628304}"/>
+              </a:ext>
+            </a:extLst>
+          </p:cNvPr>
+          <p:cNvSpPr>
+            <a:spLocks noGrp="1"/>
+          </p:cNvSpPr>
+          <p:nvPr>
+            <p:ph type="title"/>
+          </p:nvPr>
+        </p:nvSpPr>
+        <p:spPr/>
+        <p:txBody>
+          <a:bodyPr/>
+          <a:lstStyle/>
+          <a:p>
+            <a:pPr marL="0" lvl="0" indent="0">
+              <a:buNone/>
+            </a:pPr>
+            <a:r>
+              <a:t>Practice Exercises</a:t>
+            </a:r>
+          </a:p>
+        </p:txBody>
+      </p:sp>
+      <p:pic>
+        <p:nvPicPr>
+          <p:cNvPr id="6" name="Picture 5" descr="A cat sitting on a computer&#10;&#10;AI-generated content may be incorrect.">
+            <a:extLst>
+              <a:ext uri="{FF2B5EF4-FFF2-40B4-BE49-F238E27FC236}">
+                <a16:creationId xmlns:a16="http://schemas.microsoft.com/office/drawing/2014/main" id="{D2E0F507-A649-BEC3-934D-D62F9A7982A2}"/>
+              </a:ext>
+            </a:extLst>
+          </p:cNvPr>
+          <p:cNvPicPr>
+            <a:picLocks noChangeAspect="1"/>
+          </p:cNvPicPr>
+          <p:nvPr/>
+        </p:nvPicPr>
+        <p:blipFill>
+          <a:blip r:embed="rId2">
+            <a:extLst>
+              <a:ext uri="{28A0092B-C50C-407E-A947-70E740481C1C}">
+                <a14:useLocalDpi xmlns:a14="http://schemas.microsoft.com/office/drawing/2010/main" val="0"/>
+              </a:ext>
+            </a:extLst>
+          </a:blip>
+          <a:stretch>
+            <a:fillRect/>
+          </a:stretch>
+        </p:blipFill>
+        <p:spPr>
+          <a:xfrm>
+            <a:off x="2154453" y="1417320"/>
+            <a:ext cx="7883093" cy="5255395"/>
+          </a:xfrm>
+          <a:prstGeom prst="rect">
+            <a:avLst/>
+          </a:prstGeom>
+        </p:spPr>
+      </p:pic>
     </p:spTree>
   </p:cSld>
   <p:clrMapOvr>
@@ -4058,36 +4354,92 @@
             <p:ph idx="1"/>
           </p:nvPr>
         </p:nvSpPr>
-        <p:spPr/>
-        <p:txBody>
-          <a:bodyPr/>
-          <a:lstStyle/>
-          <a:p>
-            <a:pPr lvl="0"/>
-            <a:r>
+        <p:spPr>
+          <a:xfrm>
+            <a:off x="838201" y="1825625"/>
+            <a:ext cx="5683370" cy="4351338"/>
+          </a:xfrm>
+        </p:spPr>
+        <p:txBody>
+          <a:bodyPr/>
+          <a:lstStyle/>
+          <a:p>
+            <a:pPr lvl="0"/>
+            <a:r>
+              <a:rPr dirty="0"/>
               <a:t>Whether demonstrable association exists between numeric variables</a:t>
             </a:r>
           </a:p>
           <a:p>
             <a:pPr lvl="0"/>
             <a:r>
+              <a:rPr dirty="0"/>
               <a:t>Interested in how variables may “co-vary” (exhibit covariance)</a:t>
             </a:r>
           </a:p>
           <a:p>
             <a:pPr lvl="0"/>
             <a:r>
+              <a:rPr dirty="0"/>
               <a:t>Covariance quantified as positive or negative</a:t>
             </a:r>
           </a:p>
           <a:p>
             <a:pPr lvl="0"/>
             <a:r>
+              <a:rPr dirty="0"/>
               <a:t>Strength varies from zero to perfect correlation (+1 or -1)</a:t>
             </a:r>
           </a:p>
         </p:txBody>
       </p:sp>
+      <p:pic>
+        <p:nvPicPr>
+          <p:cNvPr id="2050" name="Picture 2">
+            <a:extLst>
+              <a:ext uri="{FF2B5EF4-FFF2-40B4-BE49-F238E27FC236}">
+                <a16:creationId xmlns:a16="http://schemas.microsoft.com/office/drawing/2014/main" id="{3B3DD896-A091-496B-FC4D-CAF16074CC7E}"/>
+              </a:ext>
+            </a:extLst>
+          </p:cNvPr>
+          <p:cNvPicPr>
+            <a:picLocks noChangeAspect="1" noChangeArrowheads="1"/>
+          </p:cNvPicPr>
+          <p:nvPr/>
+        </p:nvPicPr>
+        <p:blipFill>
+          <a:blip r:embed="rId2">
+            <a:extLst>
+              <a:ext uri="{28A0092B-C50C-407E-A947-70E740481C1C}">
+                <a14:useLocalDpi xmlns:a14="http://schemas.microsoft.com/office/drawing/2010/main" val="0"/>
+              </a:ext>
+            </a:extLst>
+          </a:blip>
+          <a:srcRect/>
+          <a:stretch>
+            <a:fillRect/>
+          </a:stretch>
+        </p:blipFill>
+        <p:spPr bwMode="auto">
+          <a:xfrm>
+            <a:off x="6640723" y="1825625"/>
+            <a:ext cx="5247244" cy="3723481"/>
+          </a:xfrm>
+          <a:prstGeom prst="rect">
+            <a:avLst/>
+          </a:prstGeom>
+          <a:noFill/>
+          <a:extLst>
+            <a:ext uri="{909E8E84-426E-40DD-AFC4-6F175D3DCCD1}">
+              <a14:hiddenFill xmlns:a14="http://schemas.microsoft.com/office/drawing/2010/main">
+                <a:solidFill>
+                  <a:srgbClr val="FFFFFF"/>
+                </a:solidFill>
+              </a14:hiddenFill>
+            </a:ext>
+          </a:extLst>
+        </p:spPr>
+      </p:pic>
     </p:spTree>
   </p:cSld>
   <p:clrMapOvr>
@@ -4267,25 +4619,37 @@
           <a:p>
             <a:pPr lvl="0"/>
             <a:r>
+              <a:rPr dirty="0"/>
               <a:t>Traditionally visualized with scatterplot</a:t>
             </a:r>
           </a:p>
           <a:p>
             <a:pPr lvl="0"/>
             <a:r>
+              <a:rPr dirty="0"/>
               <a:t>Degree of “scatter” relates to correlation strength</a:t>
             </a:r>
           </a:p>
           <a:p>
             <a:pPr lvl="0"/>
             <a:r>
+              <a:rPr dirty="0"/>
               <a:t>Can examine specific pairs or correlation matrices</a:t>
             </a:r>
           </a:p>
           <a:p>
             <a:pPr lvl="0"/>
             <a:r>
-              <a:t>Use pairs() and cor() for multiple variables</a:t>
+              <a:rPr dirty="0"/>
+              <a:t>Use pairs() and </a:t>
+            </a:r>
+            <a:r>
+              <a:rPr dirty="0" err="1"/>
+              <a:t>cor</a:t>
+            </a:r>
+            <a:r>
+              <a:rPr dirty="0"/>
+              <a:t>() for multiple variables</a:t>
             </a:r>
           </a:p>
         </p:txBody>
@@ -4315,83 +4679,59 @@
           <a:chExt cx="0" cy="0"/>
         </a:xfrm>
       </p:grpSpPr>
-      <p:sp>
-        <p:nvSpPr>
-          <p:cNvPr id="2" name="Title 1">
-            <a:extLst>
-              <a:ext uri="{FF2B5EF4-FFF2-40B4-BE49-F238E27FC236}">
-                <a16:creationId xmlns:a16="http://schemas.microsoft.com/office/drawing/2014/main" id="{8525C2D7-E417-70EE-D336-6C2729628304}"/>
-              </a:ext>
-            </a:extLst>
-          </p:cNvPr>
-          <p:cNvSpPr>
-            <a:spLocks noGrp="1"/>
-          </p:cNvSpPr>
-          <p:nvPr>
-            <p:ph type="title"/>
-          </p:nvPr>
-        </p:nvSpPr>
-        <p:spPr/>
-        <p:txBody>
-          <a:bodyPr/>
-          <a:lstStyle/>
-          <a:p>
-            <a:pPr marL="0" lvl="0" indent="0">
-              <a:buNone/>
-            </a:pPr>
-            <a:r>
-              <a:t>Correlation Matrices</a:t>
-            </a:r>
-          </a:p>
-        </p:txBody>
-      </p:sp>
-      <p:sp>
-        <p:nvSpPr>
-          <p:cNvPr id="3" name="Content Placeholder 2">
-            <a:extLst>
-              <a:ext uri="{FF2B5EF4-FFF2-40B4-BE49-F238E27FC236}">
-                <a16:creationId xmlns:a16="http://schemas.microsoft.com/office/drawing/2014/main" id="{51C3FE42-1672-993E-68F1-5E07C2E42057}"/>
-              </a:ext>
-            </a:extLst>
-          </p:cNvPr>
-          <p:cNvSpPr>
-            <a:spLocks noGrp="1"/>
-          </p:cNvSpPr>
-          <p:nvPr>
-            <p:ph idx="1"/>
-          </p:nvPr>
-        </p:nvSpPr>
-        <p:spPr/>
-        <p:txBody>
-          <a:bodyPr/>
-          <a:lstStyle/>
-          <a:p>
-            <a:pPr lvl="0"/>
-            <a:r>
-              <a:t>Quickly assess correlation between many variables</a:t>
-            </a:r>
-          </a:p>
-          <a:p>
-            <a:pPr lvl="0"/>
-            <a:r>
-              <a:t>Powerful combination of statistical summary and graphing</a:t>
-            </a:r>
-          </a:p>
-          <a:p>
-            <a:pPr lvl="0"/>
-            <a:r>
-              <a:t>Can reveal influence of grouping variables (like species)</a:t>
-            </a:r>
-          </a:p>
-          <a:p>
-            <a:pPr lvl="0"/>
-            <a:r>
-              <a:t>Essential for multivariate data exploration</a:t>
-            </a:r>
-          </a:p>
-        </p:txBody>
-      </p:sp>
+      <p:pic>
+        <p:nvPicPr>
+          <p:cNvPr id="3074" name="Picture 2">
+            <a:extLst>
+              <a:ext uri="{FF2B5EF4-FFF2-40B4-BE49-F238E27FC236}">
+                <a16:creationId xmlns:a16="http://schemas.microsoft.com/office/drawing/2014/main" id="{A4CF37E4-E4B5-FA2B-234F-380DF3CB8582}"/>
+              </a:ext>
+            </a:extLst>
+          </p:cNvPr>
+          <p:cNvPicPr>
+            <a:picLocks noChangeAspect="1" noChangeArrowheads="1"/>
+          </p:cNvPicPr>
+          <p:nvPr/>
+        </p:nvPicPr>
+        <p:blipFill>
+          <a:blip r:embed="rId2">
+            <a:extLst>
+              <a:ext uri="{28A0092B-C50C-407E-A947-70E740481C1C}">
+                <a14:useLocalDpi xmlns:a14="http://schemas.microsoft.com/office/drawing/2010/main" val="0"/>
+              </a:ext>
+            </a:extLst>
+          </a:blip>
+          <a:srcRect/>
+          <a:stretch>
+            <a:fillRect/>
+          </a:stretch>
+        </p:blipFill>
+        <p:spPr bwMode="auto">
+          <a:xfrm>
+            <a:off x="1564958" y="11154"/>
+            <a:ext cx="8570444" cy="6846846"/>
+          </a:xfrm>
+          <a:prstGeom prst="rect">
+            <a:avLst/>
+          </a:prstGeom>
+          <a:noFill/>
+          <a:extLst>
+            <a:ext uri="{909E8E84-426E-40DD-AFC4-6F175D3DCCD1}">
+              <a14:hiddenFill xmlns:a14="http://schemas.microsoft.com/office/drawing/2010/main">
+                <a:solidFill>
+                  <a:srgbClr val="FFFFFF"/>
+                </a:solidFill>
+              </a14:hiddenFill>
+            </a:ext>
+          </a:extLst>
+        </p:spPr>
+      </p:pic>
     </p:spTree>
+    <p:extLst>
+      <p:ext uri="{BB962C8B-B14F-4D97-AF65-F5344CB8AC3E}">
+        <p14:creationId xmlns:p14="http://schemas.microsoft.com/office/powerpoint/2010/main" val="3282279463"/>
+      </p:ext>
+    </p:extLst>
   </p:cSld>
   <p:clrMapOvr>
     <a:masterClrMapping/>
@@ -4441,7 +4781,7 @@
               <a:buNone/>
             </a:pPr>
             <a:r>
-              <a:t>Testing Correlation</a:t>
+              <a:t>Correlation Matrices</a:t>
             </a:r>
           </a:p>
         </p:txBody>
@@ -4469,29 +4809,59 @@
           <a:p>
             <a:pPr lvl="0"/>
             <a:r>
-              <a:t>Use cor.test() for statistical significance</a:t>
-            </a:r>
-          </a:p>
-          <a:p>
-            <a:pPr lvl="0"/>
-            <a:r>
-              <a:t>Pearson correlation is default method</a:t>
-            </a:r>
-          </a:p>
-          <a:p>
-            <a:pPr lvl="0"/>
-            <a:r>
-              <a:t>Spearman rank correlation when assumptions not met</a:t>
-            </a:r>
-          </a:p>
-          <a:p>
-            <a:pPr lvl="0"/>
-            <a:r>
-              <a:t>Follow order: Question, Graph, Test, Validate</a:t>
-            </a:r>
-          </a:p>
-        </p:txBody>
-      </p:sp>
+              <a:t>Quickly assess correlation between many variables</a:t>
+            </a:r>
+          </a:p>
+          <a:p>
+            <a:pPr lvl="0"/>
+            <a:r>
+              <a:t>Powerful combination of statistical summary and graphing</a:t>
+            </a:r>
+          </a:p>
+          <a:p>
+            <a:pPr lvl="0"/>
+            <a:r>
+              <a:t>Can reveal influence of grouping variables (like species)</a:t>
+            </a:r>
+          </a:p>
+          <a:p>
+            <a:pPr lvl="0"/>
+            <a:r>
+              <a:t>Essential for multivariate data exploration</a:t>
+            </a:r>
+          </a:p>
+        </p:txBody>
+      </p:sp>
+      <p:pic>
+        <p:nvPicPr>
+          <p:cNvPr id="5" name="Picture 4">
+            <a:extLst>
+              <a:ext uri="{FF2B5EF4-FFF2-40B4-BE49-F238E27FC236}">
+                <a16:creationId xmlns:a16="http://schemas.microsoft.com/office/drawing/2014/main" id="{473C4363-5A3C-B7DB-7C85-E17B058F53E5}"/>
+              </a:ext>
+            </a:extLst>
+          </p:cNvPr>
+          <p:cNvPicPr>
+            <a:picLocks noChangeAspect="1"/>
+          </p:cNvPicPr>
+          <p:nvPr/>
+        </p:nvPicPr>
+        <p:blipFill>
+          <a:blip r:embed="rId2"/>
+          <a:stretch>
+            <a:fillRect/>
+          </a:stretch>
+        </p:blipFill>
+        <p:spPr>
+          <a:xfrm>
+            <a:off x="2786053" y="3962792"/>
+            <a:ext cx="6619893" cy="2620887"/>
+          </a:xfrm>
+          <a:prstGeom prst="rect">
+            <a:avLst/>
+          </a:prstGeom>
+        </p:spPr>
+      </p:pic>
     </p:spTree>
   </p:cSld>
   <p:clrMapOvr>
@@ -4542,7 +4912,7 @@
               <a:buNone/>
             </a:pPr>
             <a:r>
-              <a:t>Pearson Correlation Assumptions</a:t>
+              <a:t>Testing Correlation</a:t>
             </a:r>
           </a:p>
         </p:txBody>
@@ -4570,25 +4940,25 @@
           <a:p>
             <a:pPr lvl="0"/>
             <a:r>
-              <a:t>Linear relationship between variables</a:t>
-            </a:r>
-          </a:p>
-          <a:p>
-            <a:pPr lvl="0"/>
-            <a:r>
-              <a:t>Bivariate Gaussian distribution</a:t>
-            </a:r>
-          </a:p>
-          <a:p>
-            <a:pPr lvl="0"/>
-            <a:r>
-              <a:t>Homoscedasticity (similar variance across range)</a:t>
-            </a:r>
-          </a:p>
-          <a:p>
-            <a:pPr lvl="0"/>
-            <a:r>
-              <a:t>Independence of observations and absence of outliers</a:t>
+              <a:t>Use cor.test() for statistical significance</a:t>
+            </a:r>
+          </a:p>
+          <a:p>
+            <a:pPr lvl="0"/>
+            <a:r>
+              <a:t>Pearson correlation is default method</a:t>
+            </a:r>
+          </a:p>
+          <a:p>
+            <a:pPr lvl="0"/>
+            <a:r>
+              <a:t>Spearman rank correlation when assumptions not met</a:t>
+            </a:r>
+          </a:p>
+          <a:p>
+            <a:pPr lvl="0"/>
+            <a:r>
+              <a:t>Follow order: Question, Graph, Test, Validate</a:t>
             </a:r>
           </a:p>
         </p:txBody>
